--- a/毕设/IT Analytics-姚晗.pptx
+++ b/毕设/IT Analytics-姚晗.pptx
@@ -5,7 +5,7 @@
     <p:sldMasterId id="2147483648" r:id="rId1"/>
   </p:sldMasterIdLst>
   <p:notesMasterIdLst>
-    <p:notesMasterId r:id="rId14"/>
+    <p:notesMasterId r:id="rId18"/>
   </p:notesMasterIdLst>
   <p:sldIdLst>
     <p:sldId id="256" r:id="rId2"/>
@@ -19,7 +19,11 @@
     <p:sldId id="273" r:id="rId10"/>
     <p:sldId id="270" r:id="rId11"/>
     <p:sldId id="271" r:id="rId12"/>
-    <p:sldId id="272" r:id="rId13"/>
+    <p:sldId id="276" r:id="rId13"/>
+    <p:sldId id="274" r:id="rId14"/>
+    <p:sldId id="275" r:id="rId15"/>
+    <p:sldId id="277" r:id="rId16"/>
+    <p:sldId id="272" r:id="rId17"/>
   </p:sldIdLst>
   <p:sldSz cx="12192000" cy="6858000"/>
   <p:notesSz cx="6858000" cy="9144000"/>
@@ -208,7 +212,7 @@
           <a:p>
             <a:fld id="{DA12CF13-F20B-48E5-9E44-FDA51E25C079}" type="datetimeFigureOut">
               <a:rPr lang="zh-CN" altLang="en-US" smtClean="0"/>
-              <a:t>2017/4/23</a:t>
+              <a:t>2017/4/25</a:t>
             </a:fld>
             <a:endParaRPr lang="zh-CN" altLang="en-US"/>
           </a:p>
@@ -1085,7 +1089,7 @@
           <a:p>
             <a:fld id="{54276B0A-3273-40F0-AF33-3297F075264A}" type="datetimeFigureOut">
               <a:rPr lang="zh-CN" altLang="en-US" smtClean="0"/>
-              <a:t>2017/4/23</a:t>
+              <a:t>2017/4/25</a:t>
             </a:fld>
             <a:endParaRPr lang="zh-CN" altLang="en-US"/>
           </a:p>
@@ -1288,7 +1292,7 @@
           <a:p>
             <a:fld id="{54276B0A-3273-40F0-AF33-3297F075264A}" type="datetimeFigureOut">
               <a:rPr lang="zh-CN" altLang="en-US" smtClean="0"/>
-              <a:t>2017/4/23</a:t>
+              <a:t>2017/4/25</a:t>
             </a:fld>
             <a:endParaRPr lang="zh-CN" altLang="en-US"/>
           </a:p>
@@ -1539,7 +1543,7 @@
           <a:p>
             <a:fld id="{54276B0A-3273-40F0-AF33-3297F075264A}" type="datetimeFigureOut">
               <a:rPr lang="zh-CN" altLang="en-US" smtClean="0"/>
-              <a:t>2017/4/23</a:t>
+              <a:t>2017/4/25</a:t>
             </a:fld>
             <a:endParaRPr lang="zh-CN" altLang="en-US"/>
           </a:p>
@@ -1708,7 +1712,7 @@
           <a:p>
             <a:fld id="{54276B0A-3273-40F0-AF33-3297F075264A}" type="datetimeFigureOut">
               <a:rPr lang="zh-CN" altLang="en-US" smtClean="0"/>
-              <a:t>2017/4/23</a:t>
+              <a:t>2017/4/25</a:t>
             </a:fld>
             <a:endParaRPr lang="zh-CN" altLang="en-US"/>
           </a:p>
@@ -2046,7 +2050,7 @@
           <a:p>
             <a:fld id="{54276B0A-3273-40F0-AF33-3297F075264A}" type="datetimeFigureOut">
               <a:rPr lang="zh-CN" altLang="en-US" smtClean="0"/>
-              <a:t>2017/4/23</a:t>
+              <a:t>2017/4/25</a:t>
             </a:fld>
             <a:endParaRPr lang="zh-CN" altLang="en-US"/>
           </a:p>
@@ -2316,7 +2320,7 @@
           <a:p>
             <a:fld id="{54276B0A-3273-40F0-AF33-3297F075264A}" type="datetimeFigureOut">
               <a:rPr lang="zh-CN" altLang="en-US" smtClean="0"/>
-              <a:t>2017/4/23</a:t>
+              <a:t>2017/4/25</a:t>
             </a:fld>
             <a:endParaRPr lang="zh-CN" altLang="en-US"/>
           </a:p>
@@ -2690,7 +2694,7 @@
           <a:p>
             <a:fld id="{54276B0A-3273-40F0-AF33-3297F075264A}" type="datetimeFigureOut">
               <a:rPr lang="zh-CN" altLang="en-US" smtClean="0"/>
-              <a:t>2017/4/23</a:t>
+              <a:t>2017/4/25</a:t>
             </a:fld>
             <a:endParaRPr lang="zh-CN" altLang="en-US"/>
           </a:p>
@@ -2803,7 +2807,7 @@
           <a:p>
             <a:fld id="{54276B0A-3273-40F0-AF33-3297F075264A}" type="datetimeFigureOut">
               <a:rPr lang="zh-CN" altLang="en-US" smtClean="0"/>
-              <a:t>2017/4/23</a:t>
+              <a:t>2017/4/25</a:t>
             </a:fld>
             <a:endParaRPr lang="zh-CN" altLang="en-US"/>
           </a:p>
@@ -2969,7 +2973,7 @@
           <a:p>
             <a:fld id="{54276B0A-3273-40F0-AF33-3297F075264A}" type="datetimeFigureOut">
               <a:rPr lang="zh-CN" altLang="en-US" smtClean="0"/>
-              <a:t>2017/4/23</a:t>
+              <a:t>2017/4/25</a:t>
             </a:fld>
             <a:endParaRPr lang="zh-CN" altLang="en-US"/>
           </a:p>
@@ -3318,7 +3322,7 @@
           <a:p>
             <a:fld id="{54276B0A-3273-40F0-AF33-3297F075264A}" type="datetimeFigureOut">
               <a:rPr lang="zh-CN" altLang="en-US" smtClean="0"/>
-              <a:t>2017/4/23</a:t>
+              <a:t>2017/4/25</a:t>
             </a:fld>
             <a:endParaRPr lang="zh-CN" altLang="en-US"/>
           </a:p>
@@ -3695,7 +3699,7 @@
           <a:p>
             <a:fld id="{54276B0A-3273-40F0-AF33-3297F075264A}" type="datetimeFigureOut">
               <a:rPr lang="zh-CN" altLang="en-US" smtClean="0"/>
-              <a:t>2017/4/23</a:t>
+              <a:t>2017/4/25</a:t>
             </a:fld>
             <a:endParaRPr lang="zh-CN" altLang="en-US"/>
           </a:p>
@@ -3977,7 +3981,7 @@
           <a:p>
             <a:fld id="{54276B0A-3273-40F0-AF33-3297F075264A}" type="datetimeFigureOut">
               <a:rPr lang="zh-CN" altLang="en-US" smtClean="0"/>
-              <a:t>2017/4/23</a:t>
+              <a:t>2017/4/25</a:t>
             </a:fld>
             <a:endParaRPr lang="zh-CN" altLang="en-US"/>
           </a:p>
@@ -4694,6 +4698,13 @@
   <p:clrMapOvr>
     <a:masterClrMapping/>
   </p:clrMapOvr>
+  <p:timing>
+    <p:tnLst>
+      <p:par>
+        <p:cTn id="1" dur="indefinite" restart="never" nodeType="tmRoot"/>
+      </p:par>
+    </p:tnLst>
+  </p:timing>
 </p:sld>
 </file>
 
@@ -4730,12 +4741,8 @@
           <a:lstStyle/>
           <a:p>
             <a:r>
-              <a:rPr lang="zh-CN" altLang="en-US" dirty="0"/>
-              <a:t>分</a:t>
-            </a:r>
-            <a:r>
-              <a:rPr lang="zh-CN" altLang="en-US" dirty="0" smtClean="0"/>
-              <a:t>析结果</a:t>
+              <a:rPr lang="en-US" altLang="zh-CN" dirty="0" err="1" smtClean="0"/>
+              <a:t>HealthCheckAssistant</a:t>
             </a:r>
             <a:endParaRPr lang="zh-CN" altLang="en-US" dirty="0"/>
           </a:p>
@@ -4866,6 +4873,13 @@
   <p:clrMapOvr>
     <a:masterClrMapping/>
   </p:clrMapOvr>
+  <p:timing>
+    <p:tnLst>
+      <p:par>
+        <p:cTn id="1" dur="indefinite" restart="never" nodeType="tmRoot"/>
+      </p:par>
+    </p:tnLst>
+  </p:timing>
 </p:sld>
 </file>
 
@@ -4888,6 +4902,535 @@
       </p:grpSpPr>
       <p:sp>
         <p:nvSpPr>
+          <p:cNvPr id="2" name="标题 1"/>
+          <p:cNvSpPr>
+            <a:spLocks noGrp="1"/>
+          </p:cNvSpPr>
+          <p:nvPr>
+            <p:ph type="title"/>
+          </p:nvPr>
+        </p:nvSpPr>
+        <p:spPr/>
+        <p:txBody>
+          <a:bodyPr/>
+          <a:lstStyle/>
+          <a:p>
+            <a:r>
+              <a:rPr lang="en-US" altLang="zh-CN" dirty="0" err="1"/>
+              <a:t>HealthCheckAssistant</a:t>
+            </a:r>
+            <a:endParaRPr lang="zh-CN" altLang="en-US" dirty="0"/>
+          </a:p>
+        </p:txBody>
+      </p:sp>
+      <p:pic>
+        <p:nvPicPr>
+          <p:cNvPr id="4" name="图片 3"/>
+          <p:cNvPicPr>
+            <a:picLocks noChangeAspect="1"/>
+          </p:cNvPicPr>
+          <p:nvPr/>
+        </p:nvPicPr>
+        <p:blipFill>
+          <a:blip r:embed="rId2"/>
+          <a:stretch>
+            <a:fillRect/>
+          </a:stretch>
+        </p:blipFill>
+        <p:spPr>
+          <a:xfrm>
+            <a:off x="1097280" y="1852531"/>
+            <a:ext cx="8716421" cy="4374845"/>
+          </a:xfrm>
+          <a:prstGeom prst="rect">
+            <a:avLst/>
+          </a:prstGeom>
+        </p:spPr>
+      </p:pic>
+    </p:spTree>
+    <p:extLst>
+      <p:ext uri="{BB962C8B-B14F-4D97-AF65-F5344CB8AC3E}">
+        <p14:creationId xmlns:p14="http://schemas.microsoft.com/office/powerpoint/2010/main" val="2204468666"/>
+      </p:ext>
+    </p:extLst>
+  </p:cSld>
+  <p:clrMapOvr>
+    <a:masterClrMapping/>
+  </p:clrMapOvr>
+  <p:timing>
+    <p:tnLst>
+      <p:par>
+        <p:cTn id="1" dur="indefinite" restart="never" nodeType="tmRoot"/>
+      </p:par>
+    </p:tnLst>
+  </p:timing>
+</p:sld>
+</file>
+
+<file path=ppt/slides/slide13.xml><?xml version="1.0" encoding="utf-8"?>
+<p:sld xmlns:a="http://schemas.openxmlformats.org/drawingml/2006/main" xmlns:r="http://schemas.openxmlformats.org/officeDocument/2006/relationships" xmlns:p="http://schemas.openxmlformats.org/presentationml/2006/main">
+  <p:cSld>
+    <p:spTree>
+      <p:nvGrpSpPr>
+        <p:cNvPr id="1" name=""/>
+        <p:cNvGrpSpPr/>
+        <p:nvPr/>
+      </p:nvGrpSpPr>
+      <p:grpSpPr>
+        <a:xfrm>
+          <a:off x="0" y="0"/>
+          <a:ext cx="0" cy="0"/>
+          <a:chOff x="0" y="0"/>
+          <a:chExt cx="0" cy="0"/>
+        </a:xfrm>
+      </p:grpSpPr>
+      <p:sp>
+        <p:nvSpPr>
+          <p:cNvPr id="2" name="标题 1"/>
+          <p:cNvSpPr>
+            <a:spLocks noGrp="1"/>
+          </p:cNvSpPr>
+          <p:nvPr>
+            <p:ph type="title"/>
+          </p:nvPr>
+        </p:nvSpPr>
+        <p:spPr/>
+        <p:txBody>
+          <a:bodyPr/>
+          <a:lstStyle/>
+          <a:p>
+            <a:r>
+              <a:rPr lang="en-US" altLang="zh-CN" dirty="0" err="1"/>
+              <a:t>HealthCheckAssistant</a:t>
+            </a:r>
+            <a:endParaRPr lang="zh-CN" altLang="en-US" dirty="0"/>
+          </a:p>
+        </p:txBody>
+      </p:sp>
+      <p:sp>
+        <p:nvSpPr>
+          <p:cNvPr id="3" name="内容占位符 2"/>
+          <p:cNvSpPr>
+            <a:spLocks noGrp="1"/>
+          </p:cNvSpPr>
+          <p:nvPr>
+            <p:ph idx="1"/>
+          </p:nvPr>
+        </p:nvSpPr>
+        <p:spPr/>
+        <p:txBody>
+          <a:bodyPr/>
+          <a:lstStyle/>
+          <a:p>
+            <a:endParaRPr lang="zh-CN" altLang="en-US"/>
+          </a:p>
+        </p:txBody>
+      </p:sp>
+      <p:pic>
+        <p:nvPicPr>
+          <p:cNvPr id="4" name="图片 3"/>
+          <p:cNvPicPr>
+            <a:picLocks noChangeAspect="1"/>
+          </p:cNvPicPr>
+          <p:nvPr/>
+        </p:nvPicPr>
+        <p:blipFill>
+          <a:blip r:embed="rId2"/>
+          <a:stretch>
+            <a:fillRect/>
+          </a:stretch>
+        </p:blipFill>
+        <p:spPr>
+          <a:xfrm>
+            <a:off x="869337" y="1845734"/>
+            <a:ext cx="10514286" cy="3857143"/>
+          </a:xfrm>
+          <a:prstGeom prst="rect">
+            <a:avLst/>
+          </a:prstGeom>
+        </p:spPr>
+      </p:pic>
+    </p:spTree>
+    <p:extLst>
+      <p:ext uri="{BB962C8B-B14F-4D97-AF65-F5344CB8AC3E}">
+        <p14:creationId xmlns:p14="http://schemas.microsoft.com/office/powerpoint/2010/main" val="2444626344"/>
+      </p:ext>
+    </p:extLst>
+  </p:cSld>
+  <p:clrMapOvr>
+    <a:masterClrMapping/>
+  </p:clrMapOvr>
+  <p:timing>
+    <p:tnLst>
+      <p:par>
+        <p:cTn id="1" dur="indefinite" restart="never" nodeType="tmRoot"/>
+      </p:par>
+    </p:tnLst>
+  </p:timing>
+</p:sld>
+</file>
+
+<file path=ppt/slides/slide14.xml><?xml version="1.0" encoding="utf-8"?>
+<p:sld xmlns:a="http://schemas.openxmlformats.org/drawingml/2006/main" xmlns:r="http://schemas.openxmlformats.org/officeDocument/2006/relationships" xmlns:p="http://schemas.openxmlformats.org/presentationml/2006/main">
+  <p:cSld>
+    <p:spTree>
+      <p:nvGrpSpPr>
+        <p:cNvPr id="1" name=""/>
+        <p:cNvGrpSpPr/>
+        <p:nvPr/>
+      </p:nvGrpSpPr>
+      <p:grpSpPr>
+        <a:xfrm>
+          <a:off x="0" y="0"/>
+          <a:ext cx="0" cy="0"/>
+          <a:chOff x="0" y="0"/>
+          <a:chExt cx="0" cy="0"/>
+        </a:xfrm>
+      </p:grpSpPr>
+      <p:sp>
+        <p:nvSpPr>
+          <p:cNvPr id="2" name="标题 1"/>
+          <p:cNvSpPr>
+            <a:spLocks noGrp="1"/>
+          </p:cNvSpPr>
+          <p:nvPr>
+            <p:ph type="title"/>
+          </p:nvPr>
+        </p:nvSpPr>
+        <p:spPr/>
+        <p:txBody>
+          <a:bodyPr/>
+          <a:lstStyle/>
+          <a:p>
+            <a:r>
+              <a:rPr lang="en-US" altLang="zh-CN" dirty="0" err="1"/>
+              <a:t>HealthCheckAssistant</a:t>
+            </a:r>
+            <a:endParaRPr lang="zh-CN" altLang="en-US" dirty="0"/>
+          </a:p>
+        </p:txBody>
+      </p:sp>
+      <p:sp>
+        <p:nvSpPr>
+          <p:cNvPr id="3" name="内容占位符 2"/>
+          <p:cNvSpPr>
+            <a:spLocks noGrp="1"/>
+          </p:cNvSpPr>
+          <p:nvPr>
+            <p:ph idx="1"/>
+          </p:nvPr>
+        </p:nvSpPr>
+        <p:spPr/>
+        <p:txBody>
+          <a:bodyPr/>
+          <a:lstStyle/>
+          <a:p>
+            <a:endParaRPr lang="zh-CN" altLang="en-US" dirty="0"/>
+          </a:p>
+        </p:txBody>
+      </p:sp>
+      <p:pic>
+        <p:nvPicPr>
+          <p:cNvPr id="4" name="图片 3"/>
+          <p:cNvPicPr>
+            <a:picLocks noChangeAspect="1"/>
+          </p:cNvPicPr>
+          <p:nvPr/>
+        </p:nvPicPr>
+        <p:blipFill>
+          <a:blip r:embed="rId2"/>
+          <a:stretch>
+            <a:fillRect/>
+          </a:stretch>
+        </p:blipFill>
+        <p:spPr>
+          <a:xfrm>
+            <a:off x="180303" y="1738255"/>
+            <a:ext cx="6750853" cy="4238317"/>
+          </a:xfrm>
+          <a:prstGeom prst="rect">
+            <a:avLst/>
+          </a:prstGeom>
+        </p:spPr>
+      </p:pic>
+      <p:pic>
+        <p:nvPicPr>
+          <p:cNvPr id="5" name="图片 4"/>
+          <p:cNvPicPr>
+            <a:picLocks noChangeAspect="1"/>
+          </p:cNvPicPr>
+          <p:nvPr/>
+        </p:nvPicPr>
+        <p:blipFill>
+          <a:blip r:embed="rId3"/>
+          <a:stretch>
+            <a:fillRect/>
+          </a:stretch>
+        </p:blipFill>
+        <p:spPr>
+          <a:xfrm>
+            <a:off x="7284018" y="1011981"/>
+            <a:ext cx="4466667" cy="5171429"/>
+          </a:xfrm>
+          <a:prstGeom prst="rect">
+            <a:avLst/>
+          </a:prstGeom>
+        </p:spPr>
+      </p:pic>
+      <p:sp>
+        <p:nvSpPr>
+          <p:cNvPr id="6" name="矩形 5"/>
+          <p:cNvSpPr/>
+          <p:nvPr/>
+        </p:nvSpPr>
+        <p:spPr>
+          <a:xfrm>
+            <a:off x="953037" y="4932608"/>
+            <a:ext cx="5293217" cy="643944"/>
+          </a:xfrm>
+          <a:prstGeom prst="rect">
+            <a:avLst/>
+          </a:prstGeom>
+          <a:noFill/>
+          <a:ln w="34925">
+            <a:solidFill>
+              <a:srgbClr val="FF0000"/>
+            </a:solidFill>
+          </a:ln>
+        </p:spPr>
+        <p:style>
+          <a:lnRef idx="2">
+            <a:schemeClr val="accent1">
+              <a:shade val="50000"/>
+            </a:schemeClr>
+          </a:lnRef>
+          <a:fillRef idx="1">
+            <a:schemeClr val="accent1"/>
+          </a:fillRef>
+          <a:effectRef idx="0">
+            <a:schemeClr val="accent1"/>
+          </a:effectRef>
+          <a:fontRef idx="minor">
+            <a:schemeClr val="lt1"/>
+          </a:fontRef>
+        </p:style>
+        <p:txBody>
+          <a:bodyPr rtlCol="0" anchor="ctr"/>
+          <a:lstStyle/>
+          <a:p>
+            <a:pPr algn="ctr"/>
+            <a:endParaRPr lang="zh-CN" altLang="en-US"/>
+          </a:p>
+        </p:txBody>
+      </p:sp>
+      <p:sp>
+        <p:nvSpPr>
+          <p:cNvPr id="7" name="矩形 6"/>
+          <p:cNvSpPr/>
+          <p:nvPr/>
+        </p:nvSpPr>
+        <p:spPr>
+          <a:xfrm>
+            <a:off x="7759335" y="1844839"/>
+            <a:ext cx="2090059" cy="617899"/>
+          </a:xfrm>
+          <a:prstGeom prst="rect">
+            <a:avLst/>
+          </a:prstGeom>
+          <a:noFill/>
+          <a:ln w="34925">
+            <a:solidFill>
+              <a:srgbClr val="FF0000"/>
+            </a:solidFill>
+          </a:ln>
+        </p:spPr>
+        <p:style>
+          <a:lnRef idx="2">
+            <a:schemeClr val="accent1">
+              <a:shade val="50000"/>
+            </a:schemeClr>
+          </a:lnRef>
+          <a:fillRef idx="1">
+            <a:schemeClr val="accent1"/>
+          </a:fillRef>
+          <a:effectRef idx="0">
+            <a:schemeClr val="accent1"/>
+          </a:effectRef>
+          <a:fontRef idx="minor">
+            <a:schemeClr val="lt1"/>
+          </a:fontRef>
+        </p:style>
+        <p:txBody>
+          <a:bodyPr rtlCol="0" anchor="ctr"/>
+          <a:lstStyle/>
+          <a:p>
+            <a:pPr algn="ctr"/>
+            <a:endParaRPr lang="zh-CN" altLang="en-US"/>
+          </a:p>
+        </p:txBody>
+      </p:sp>
+    </p:spTree>
+    <p:extLst>
+      <p:ext uri="{BB962C8B-B14F-4D97-AF65-F5344CB8AC3E}">
+        <p14:creationId xmlns:p14="http://schemas.microsoft.com/office/powerpoint/2010/main" val="3571222829"/>
+      </p:ext>
+    </p:extLst>
+  </p:cSld>
+  <p:clrMapOvr>
+    <a:masterClrMapping/>
+  </p:clrMapOvr>
+  <p:timing>
+    <p:tnLst>
+      <p:par>
+        <p:cTn id="1" dur="indefinite" restart="never" nodeType="tmRoot"/>
+      </p:par>
+    </p:tnLst>
+  </p:timing>
+</p:sld>
+</file>
+
+<file path=ppt/slides/slide15.xml><?xml version="1.0" encoding="utf-8"?>
+<p:sld xmlns:a="http://schemas.openxmlformats.org/drawingml/2006/main" xmlns:r="http://schemas.openxmlformats.org/officeDocument/2006/relationships" xmlns:p="http://schemas.openxmlformats.org/presentationml/2006/main">
+  <p:cSld>
+    <p:spTree>
+      <p:nvGrpSpPr>
+        <p:cNvPr id="1" name=""/>
+        <p:cNvGrpSpPr/>
+        <p:nvPr/>
+      </p:nvGrpSpPr>
+      <p:grpSpPr>
+        <a:xfrm>
+          <a:off x="0" y="0"/>
+          <a:ext cx="0" cy="0"/>
+          <a:chOff x="0" y="0"/>
+          <a:chExt cx="0" cy="0"/>
+        </a:xfrm>
+      </p:grpSpPr>
+      <p:sp>
+        <p:nvSpPr>
+          <p:cNvPr id="2" name="标题 1"/>
+          <p:cNvSpPr>
+            <a:spLocks noGrp="1"/>
+          </p:cNvSpPr>
+          <p:nvPr>
+            <p:ph type="title"/>
+          </p:nvPr>
+        </p:nvSpPr>
+        <p:spPr/>
+        <p:txBody>
+          <a:bodyPr/>
+          <a:lstStyle/>
+          <a:p>
+            <a:r>
+              <a:rPr lang="zh-CN" altLang="en-US" dirty="0" smtClean="0"/>
+              <a:t>区块链</a:t>
+            </a:r>
+            <a:endParaRPr lang="zh-CN" altLang="en-US" dirty="0"/>
+          </a:p>
+        </p:txBody>
+      </p:sp>
+      <p:sp>
+        <p:nvSpPr>
+          <p:cNvPr id="3" name="内容占位符 2"/>
+          <p:cNvSpPr>
+            <a:spLocks noGrp="1"/>
+          </p:cNvSpPr>
+          <p:nvPr>
+            <p:ph idx="1"/>
+          </p:nvPr>
+        </p:nvSpPr>
+        <p:spPr/>
+        <p:txBody>
+          <a:bodyPr/>
+          <a:lstStyle/>
+          <a:p>
+            <a:r>
+              <a:rPr lang="zh-CN" altLang="en-US" dirty="0"/>
+              <a:t>由节点参与的分布式数据库系统，</a:t>
+            </a:r>
+          </a:p>
+          <a:p>
+            <a:r>
+              <a:rPr lang="zh-CN" altLang="en-US" dirty="0"/>
+              <a:t>特点：不可更改，不可伪</a:t>
+            </a:r>
+            <a:r>
+              <a:rPr lang="zh-CN" altLang="en-US" dirty="0" smtClean="0"/>
+              <a:t>造</a:t>
+            </a:r>
+            <a:endParaRPr lang="en-US" altLang="zh-CN" dirty="0" smtClean="0"/>
+          </a:p>
+          <a:p>
+            <a:endParaRPr lang="en-US" altLang="zh-CN" dirty="0"/>
+          </a:p>
+          <a:p>
+            <a:endParaRPr lang="en-US" altLang="zh-CN" dirty="0" smtClean="0"/>
+          </a:p>
+          <a:p>
+            <a:r>
+              <a:rPr lang="zh-CN" altLang="en-US" dirty="0" smtClean="0"/>
+              <a:t>分析日志</a:t>
+            </a:r>
+            <a:endParaRPr lang="en-US" altLang="zh-CN" dirty="0" smtClean="0"/>
+          </a:p>
+          <a:p>
+            <a:endParaRPr lang="en-US" altLang="zh-CN" dirty="0"/>
+          </a:p>
+          <a:p>
+            <a:r>
+              <a:rPr lang="zh-CN" altLang="en-US" dirty="0"/>
+              <a:t>存</a:t>
+            </a:r>
+            <a:r>
+              <a:rPr lang="zh-CN" altLang="en-US" dirty="0" smtClean="0"/>
+              <a:t>储能力</a:t>
+            </a:r>
+            <a:endParaRPr lang="en-US" altLang="zh-CN" dirty="0" smtClean="0"/>
+          </a:p>
+          <a:p>
+            <a:endParaRPr lang="en-US" altLang="zh-CN" dirty="0"/>
+          </a:p>
+          <a:p>
+            <a:r>
+              <a:rPr lang="zh-CN" altLang="en-US" dirty="0" smtClean="0"/>
+              <a:t>分布式存储</a:t>
+            </a:r>
+            <a:endParaRPr lang="en-US" altLang="zh-CN" dirty="0"/>
+          </a:p>
+        </p:txBody>
+      </p:sp>
+    </p:spTree>
+    <p:extLst>
+      <p:ext uri="{BB962C8B-B14F-4D97-AF65-F5344CB8AC3E}">
+        <p14:creationId xmlns:p14="http://schemas.microsoft.com/office/powerpoint/2010/main" val="3590613859"/>
+      </p:ext>
+    </p:extLst>
+  </p:cSld>
+  <p:clrMapOvr>
+    <a:masterClrMapping/>
+  </p:clrMapOvr>
+</p:sld>
+</file>
+
+<file path=ppt/slides/slide16.xml><?xml version="1.0" encoding="utf-8"?>
+<p:sld xmlns:a="http://schemas.openxmlformats.org/drawingml/2006/main" xmlns:r="http://schemas.openxmlformats.org/officeDocument/2006/relationships" xmlns:p="http://schemas.openxmlformats.org/presentationml/2006/main">
+  <p:cSld>
+    <p:spTree>
+      <p:nvGrpSpPr>
+        <p:cNvPr id="1" name=""/>
+        <p:cNvGrpSpPr/>
+        <p:nvPr/>
+      </p:nvGrpSpPr>
+      <p:grpSpPr>
+        <a:xfrm>
+          <a:off x="0" y="0"/>
+          <a:ext cx="0" cy="0"/>
+          <a:chOff x="0" y="0"/>
+          <a:chExt cx="0" cy="0"/>
+        </a:xfrm>
+      </p:grpSpPr>
+      <p:sp>
+        <p:nvSpPr>
           <p:cNvPr id="4" name="标题 3"/>
           <p:cNvSpPr>
             <a:spLocks noGrp="1"/>
@@ -4938,6 +5481,13 @@
   <p:clrMapOvr>
     <a:masterClrMapping/>
   </p:clrMapOvr>
+  <p:timing>
+    <p:tnLst>
+      <p:par>
+        <p:cTn id="1" dur="indefinite" restart="never" nodeType="tmRoot"/>
+      </p:par>
+    </p:tnLst>
+  </p:timing>
 </p:sld>
 </file>
 
@@ -6675,7 +7225,11 @@
           <a:bodyPr/>
           <a:lstStyle/>
           <a:p>
-            <a:endParaRPr lang="zh-CN" altLang="en-US"/>
+            <a:r>
+              <a:rPr lang="en-US" altLang="zh-CN" dirty="0" smtClean="0"/>
+              <a:t>Spark</a:t>
+            </a:r>
+            <a:endParaRPr lang="zh-CN" altLang="en-US" dirty="0"/>
           </a:p>
         </p:txBody>
       </p:sp>
@@ -6791,6 +7345,13 @@
   <p:clrMapOvr>
     <a:masterClrMapping/>
   </p:clrMapOvr>
+  <p:timing>
+    <p:tnLst>
+      <p:par>
+        <p:cTn id="1" dur="indefinite" restart="never" nodeType="tmRoot"/>
+      </p:par>
+    </p:tnLst>
+  </p:timing>
 </p:sld>
 </file>
 
